--- a/static/courses/imn359/cours/Intro_python.pptx
+++ b/static/courses/imn359/cours/Intro_python.pptx
@@ -5,7 +5,7 @@
     <p:sldMasterId id="2147483722" r:id="rId1"/>
   </p:sldMasterIdLst>
   <p:notesMasterIdLst>
-    <p:notesMasterId r:id="rId25"/>
+    <p:notesMasterId r:id="rId22"/>
   </p:notesMasterIdLst>
   <p:sldIdLst>
     <p:sldId id="256" r:id="rId2"/>
@@ -28,9 +28,6 @@
     <p:sldId id="261" r:id="rId19"/>
     <p:sldId id="262" r:id="rId20"/>
     <p:sldId id="264" r:id="rId21"/>
-    <p:sldId id="263" r:id="rId22"/>
-    <p:sldId id="265" r:id="rId23"/>
-    <p:sldId id="278" r:id="rId24"/>
   </p:sldIdLst>
   <p:sldSz cx="13004800" cy="9753600"/>
   <p:notesSz cx="6858000" cy="9144000"/>
@@ -793,7 +790,7 @@
           <a:p>
             <a:fld id="{AC912E43-048C-4988-ACE9-A9C0F2C564ED}" type="datetimeFigureOut">
               <a:rPr lang="fr-CA" smtClean="0"/>
-              <a:t>2022-08-04</a:t>
+              <a:t>2024-08-28</a:t>
             </a:fld>
             <a:endParaRPr lang="fr-CA"/>
           </a:p>
@@ -855,7 +852,7 @@
           <a:p>
             <a:fld id="{86CB4B4D-7CA3-9044-876B-883B54F8677D}" type="slidenum">
               <a:rPr lang="fr-CA" smtClean="0"/>
-              <a:t>‹N°›</a:t>
+              <a:t>‹#›</a:t>
             </a:fld>
             <a:endParaRPr lang="fr-CA"/>
           </a:p>
@@ -988,7 +985,7 @@
           <a:p>
             <a:fld id="{AC912E43-048C-4988-ACE9-A9C0F2C564ED}" type="datetimeFigureOut">
               <a:rPr lang="fr-CA" smtClean="0"/>
-              <a:t>2022-08-04</a:t>
+              <a:t>2024-08-28</a:t>
             </a:fld>
             <a:endParaRPr lang="fr-CA"/>
           </a:p>
@@ -1030,7 +1027,7 @@
           <a:p>
             <a:fld id="{86CB4B4D-7CA3-9044-876B-883B54F8677D}" type="slidenum">
               <a:rPr lang="fr-CA" smtClean="0"/>
-              <a:t>‹N°›</a:t>
+              <a:t>‹#›</a:t>
             </a:fld>
             <a:endParaRPr lang="fr-CA"/>
           </a:p>
@@ -1168,7 +1165,7 @@
           <a:p>
             <a:fld id="{AC912E43-048C-4988-ACE9-A9C0F2C564ED}" type="datetimeFigureOut">
               <a:rPr lang="fr-CA" smtClean="0"/>
-              <a:t>2022-08-04</a:t>
+              <a:t>2024-08-28</a:t>
             </a:fld>
             <a:endParaRPr lang="fr-CA"/>
           </a:p>
@@ -1210,7 +1207,7 @@
           <a:p>
             <a:fld id="{86CB4B4D-7CA3-9044-876B-883B54F8677D}" type="slidenum">
               <a:rPr lang="fr-CA" smtClean="0"/>
-              <a:t>‹N°›</a:t>
+              <a:t>‹#›</a:t>
             </a:fld>
             <a:endParaRPr lang="fr-CA"/>
           </a:p>
@@ -1681,7 +1678,7 @@
           </a:lstStyle>
           <a:p>
             <a:fld id="{86CB4B4D-7CA3-9044-876B-883B54F8677D}" type="slidenum">
-              <a:t>‹N°›</a:t>
+              <a:t>‹#›</a:t>
             </a:fld>
             <a:endParaRPr/>
           </a:p>
@@ -1762,7 +1759,7 @@
           </a:lstStyle>
           <a:p>
             <a:fld id="{86CB4B4D-7CA3-9044-876B-883B54F8677D}" type="slidenum">
-              <a:t>‹N°›</a:t>
+              <a:t>‹#›</a:t>
             </a:fld>
             <a:endParaRPr/>
           </a:p>
@@ -2178,7 +2175,7 @@
           </a:lstStyle>
           <a:p>
             <a:fld id="{86CB4B4D-7CA3-9044-876B-883B54F8677D}" type="slidenum">
-              <a:t>‹N°›</a:t>
+              <a:t>‹#›</a:t>
             </a:fld>
             <a:endParaRPr/>
           </a:p>
@@ -2323,7 +2320,7 @@
           <a:p>
             <a:fld id="{AC912E43-048C-4988-ACE9-A9C0F2C564ED}" type="datetimeFigureOut">
               <a:rPr lang="fr-CA" smtClean="0"/>
-              <a:t>2022-08-04</a:t>
+              <a:t>2024-08-28</a:t>
             </a:fld>
             <a:endParaRPr lang="fr-CA"/>
           </a:p>
@@ -2365,7 +2362,7 @@
           <a:p>
             <a:fld id="{86CB4B4D-7CA3-9044-876B-883B54F8677D}" type="slidenum">
               <a:rPr lang="fr-CA" smtClean="0"/>
-              <a:t>‹N°›</a:t>
+              <a:t>‹#›</a:t>
             </a:fld>
             <a:endParaRPr lang="fr-CA"/>
           </a:p>
@@ -2590,7 +2587,7 @@
           <a:p>
             <a:fld id="{AC912E43-048C-4988-ACE9-A9C0F2C564ED}" type="datetimeFigureOut">
               <a:rPr lang="fr-CA" smtClean="0"/>
-              <a:t>2022-08-04</a:t>
+              <a:t>2024-08-28</a:t>
             </a:fld>
             <a:endParaRPr lang="fr-CA"/>
           </a:p>
@@ -2632,7 +2629,7 @@
           <a:p>
             <a:fld id="{86CB4B4D-7CA3-9044-876B-883B54F8677D}" type="slidenum">
               <a:rPr lang="fr-CA" smtClean="0"/>
-              <a:t>‹N°›</a:t>
+              <a:t>‹#›</a:t>
             </a:fld>
             <a:endParaRPr lang="fr-CA"/>
           </a:p>
@@ -2878,7 +2875,7 @@
           <a:p>
             <a:fld id="{AC912E43-048C-4988-ACE9-A9C0F2C564ED}" type="datetimeFigureOut">
               <a:rPr lang="fr-CA" smtClean="0"/>
-              <a:t>2022-08-04</a:t>
+              <a:t>2024-08-28</a:t>
             </a:fld>
             <a:endParaRPr lang="fr-CA"/>
           </a:p>
@@ -2920,7 +2917,7 @@
           <a:p>
             <a:fld id="{86CB4B4D-7CA3-9044-876B-883B54F8677D}" type="slidenum">
               <a:rPr lang="fr-CA" smtClean="0"/>
-              <a:t>‹N°›</a:t>
+              <a:t>‹#›</a:t>
             </a:fld>
             <a:endParaRPr lang="fr-CA"/>
           </a:p>
@@ -3316,7 +3313,7 @@
           <a:p>
             <a:fld id="{AC912E43-048C-4988-ACE9-A9C0F2C564ED}" type="datetimeFigureOut">
               <a:rPr lang="fr-CA" smtClean="0"/>
-              <a:t>2022-08-04</a:t>
+              <a:t>2024-08-28</a:t>
             </a:fld>
             <a:endParaRPr lang="fr-CA"/>
           </a:p>
@@ -3358,7 +3355,7 @@
           <a:p>
             <a:fld id="{86CB4B4D-7CA3-9044-876B-883B54F8677D}" type="slidenum">
               <a:rPr lang="fr-CA" smtClean="0"/>
-              <a:t>‹N°›</a:t>
+              <a:t>‹#›</a:t>
             </a:fld>
             <a:endParaRPr lang="fr-CA"/>
           </a:p>
@@ -3434,7 +3431,7 @@
           <a:p>
             <a:fld id="{AC912E43-048C-4988-ACE9-A9C0F2C564ED}" type="datetimeFigureOut">
               <a:rPr lang="fr-CA" smtClean="0"/>
-              <a:t>2022-08-04</a:t>
+              <a:t>2024-08-28</a:t>
             </a:fld>
             <a:endParaRPr lang="fr-CA"/>
           </a:p>
@@ -3476,7 +3473,7 @@
           <a:p>
             <a:fld id="{86CB4B4D-7CA3-9044-876B-883B54F8677D}" type="slidenum">
               <a:rPr lang="fr-CA" smtClean="0"/>
-              <a:t>‹N°›</a:t>
+              <a:t>‹#›</a:t>
             </a:fld>
             <a:endParaRPr lang="fr-CA"/>
           </a:p>
@@ -3529,7 +3526,7 @@
           <a:p>
             <a:fld id="{AC912E43-048C-4988-ACE9-A9C0F2C564ED}" type="datetimeFigureOut">
               <a:rPr lang="fr-CA" smtClean="0"/>
-              <a:t>2022-08-04</a:t>
+              <a:t>2024-08-28</a:t>
             </a:fld>
             <a:endParaRPr lang="fr-CA"/>
           </a:p>
@@ -3571,7 +3568,7 @@
           <a:p>
             <a:fld id="{86CB4B4D-7CA3-9044-876B-883B54F8677D}" type="slidenum">
               <a:rPr lang="fr-CA" smtClean="0"/>
-              <a:t>‹N°›</a:t>
+              <a:t>‹#›</a:t>
             </a:fld>
             <a:endParaRPr lang="fr-CA"/>
           </a:p>
@@ -3885,7 +3882,7 @@
           <a:p>
             <a:fld id="{AC912E43-048C-4988-ACE9-A9C0F2C564ED}" type="datetimeFigureOut">
               <a:rPr lang="fr-CA" smtClean="0"/>
-              <a:t>2022-08-04</a:t>
+              <a:t>2024-08-28</a:t>
             </a:fld>
             <a:endParaRPr lang="fr-CA"/>
           </a:p>
@@ -3937,7 +3934,7 @@
           <a:p>
             <a:fld id="{86CB4B4D-7CA3-9044-876B-883B54F8677D}" type="slidenum">
               <a:rPr lang="fr-CA" smtClean="0"/>
-              <a:t>‹N°›</a:t>
+              <a:t>‹#›</a:t>
             </a:fld>
             <a:endParaRPr lang="fr-CA"/>
           </a:p>
@@ -4196,7 +4193,7 @@
           <a:p>
             <a:fld id="{AC912E43-048C-4988-ACE9-A9C0F2C564ED}" type="datetimeFigureOut">
               <a:rPr lang="fr-CA" smtClean="0"/>
-              <a:t>2022-08-04</a:t>
+              <a:t>2024-08-28</a:t>
             </a:fld>
             <a:endParaRPr lang="fr-CA"/>
           </a:p>
@@ -4258,7 +4255,7 @@
           <a:p>
             <a:fld id="{86CB4B4D-7CA3-9044-876B-883B54F8677D}" type="slidenum">
               <a:rPr lang="fr-CA" smtClean="0"/>
-              <a:t>‹N°›</a:t>
+              <a:t>‹#›</a:t>
             </a:fld>
             <a:endParaRPr lang="fr-CA"/>
           </a:p>
@@ -4429,7 +4426,7 @@
           <a:p>
             <a:fld id="{AC912E43-048C-4988-ACE9-A9C0F2C564ED}" type="datetimeFigureOut">
               <a:rPr lang="fr-CA" smtClean="0"/>
-              <a:t>2022-08-04</a:t>
+              <a:t>2024-08-28</a:t>
             </a:fld>
             <a:endParaRPr lang="fr-CA"/>
           </a:p>
@@ -4512,7 +4509,7 @@
             <a:fld id="{86CB4B4D-7CA3-9044-876B-883B54F8677D}" type="slidenum">
               <a:rPr lang="fr-CA" smtClean="0"/>
               <a:pPr/>
-              <a:t>‹N°›</a:t>
+              <a:t>‹#›</a:t>
             </a:fld>
             <a:endParaRPr lang="fr-CA"/>
           </a:p>
@@ -6683,7 +6680,7 @@
           <a:p>
             <a:r>
               <a:rPr lang="fr-CA" dirty="0"/>
-              <a:t>Faites votre devoir 0! Assurer vous que vous avez un environnement python qui fonctionne!</a:t>
+              <a:t>Faites votre avec des scripts. Assurez-vous que ca marche!</a:t>
             </a:r>
           </a:p>
         </p:txBody>
@@ -7020,663 +7017,6 @@
     <p:extLst>
       <p:ext uri="{BB962C8B-B14F-4D97-AF65-F5344CB8AC3E}">
         <p14:creationId xmlns:p14="http://schemas.microsoft.com/office/powerpoint/2010/main" val="3818471454"/>
-      </p:ext>
-    </p:extLst>
-  </p:cSld>
-  <p:clrMapOvr>
-    <a:masterClrMapping/>
-  </p:clrMapOvr>
-</p:sld>
-</file>
-
-<file path=ppt/slides/slide21.xml><?xml version="1.0" encoding="utf-8"?>
-<p:sld xmlns:a="http://schemas.openxmlformats.org/drawingml/2006/main" xmlns:r="http://schemas.openxmlformats.org/officeDocument/2006/relationships" xmlns:p="http://schemas.openxmlformats.org/presentationml/2006/main">
-  <p:cSld>
-    <p:spTree>
-      <p:nvGrpSpPr>
-        <p:cNvPr id="1" name=""/>
-        <p:cNvGrpSpPr/>
-        <p:nvPr/>
-      </p:nvGrpSpPr>
-      <p:grpSpPr>
-        <a:xfrm>
-          <a:off x="0" y="0"/>
-          <a:ext cx="0" cy="0"/>
-          <a:chOff x="0" y="0"/>
-          <a:chExt cx="0" cy="0"/>
-        </a:xfrm>
-      </p:grpSpPr>
-      <p:sp>
-        <p:nvSpPr>
-          <p:cNvPr id="2" name="Titre 1">
-            <a:extLst>
-              <a:ext uri="{FF2B5EF4-FFF2-40B4-BE49-F238E27FC236}">
-                <a16:creationId xmlns:a16="http://schemas.microsoft.com/office/drawing/2014/main" id="{DE19BE67-DA38-DBF3-AFCC-8FF36A1E0153}"/>
-              </a:ext>
-            </a:extLst>
-          </p:cNvPr>
-          <p:cNvSpPr>
-            <a:spLocks noGrp="1"/>
-          </p:cNvSpPr>
-          <p:nvPr>
-            <p:ph type="title"/>
-          </p:nvPr>
-        </p:nvSpPr>
-        <p:spPr/>
-        <p:txBody>
-          <a:bodyPr/>
-          <a:lstStyle/>
-          <a:p>
-            <a:r>
-              <a:rPr lang="fr-CA" dirty="0"/>
-              <a:t>Section – </a:t>
-            </a:r>
-            <a:br>
-              <a:rPr lang="fr-CA" dirty="0"/>
-            </a:br>
-            <a:r>
-              <a:rPr lang="fr-CA" dirty="0"/>
-              <a:t>Produire un script</a:t>
-            </a:r>
-          </a:p>
-        </p:txBody>
-      </p:sp>
-      <p:sp>
-        <p:nvSpPr>
-          <p:cNvPr id="3" name="Espace réservé du texte 2">
-            <a:extLst>
-              <a:ext uri="{FF2B5EF4-FFF2-40B4-BE49-F238E27FC236}">
-                <a16:creationId xmlns:a16="http://schemas.microsoft.com/office/drawing/2014/main" id="{0AF0375E-E104-52E3-CC17-1B100F9EBD63}"/>
-              </a:ext>
-            </a:extLst>
-          </p:cNvPr>
-          <p:cNvSpPr>
-            <a:spLocks noGrp="1"/>
-          </p:cNvSpPr>
-          <p:nvPr>
-            <p:ph type="body" idx="1"/>
-          </p:nvPr>
-        </p:nvSpPr>
-        <p:spPr>
-          <a:xfrm>
-            <a:off x="712013" y="5955236"/>
-            <a:ext cx="11925464" cy="2340864"/>
-          </a:xfrm>
-        </p:spPr>
-        <p:txBody>
-          <a:bodyPr>
-            <a:normAutofit/>
-          </a:bodyPr>
-          <a:lstStyle/>
-          <a:p>
-            <a:r>
-              <a:rPr lang="fr-CA" dirty="0"/>
-              <a:t>Comment avoir des bonnes habitudes</a:t>
-            </a:r>
-          </a:p>
-          <a:p>
-            <a:r>
-              <a:rPr lang="fr-CA" dirty="0"/>
-              <a:t>…</a:t>
-            </a:r>
-          </a:p>
-          <a:p>
-            <a:r>
-              <a:rPr lang="fr-CA" dirty="0"/>
-              <a:t>Ou comment aider le prof à s’y retrouver dans votre TP </a:t>
-            </a:r>
-          </a:p>
-        </p:txBody>
-      </p:sp>
-    </p:spTree>
-    <p:extLst>
-      <p:ext uri="{BB962C8B-B14F-4D97-AF65-F5344CB8AC3E}">
-        <p14:creationId xmlns:p14="http://schemas.microsoft.com/office/powerpoint/2010/main" val="885903301"/>
-      </p:ext>
-    </p:extLst>
-  </p:cSld>
-  <p:clrMapOvr>
-    <a:masterClrMapping/>
-  </p:clrMapOvr>
-</p:sld>
-</file>
-
-<file path=ppt/slides/slide22.xml><?xml version="1.0" encoding="utf-8"?>
-<p:sld xmlns:a="http://schemas.openxmlformats.org/drawingml/2006/main" xmlns:r="http://schemas.openxmlformats.org/officeDocument/2006/relationships" xmlns:p="http://schemas.openxmlformats.org/presentationml/2006/main">
-  <p:cSld>
-    <p:spTree>
-      <p:nvGrpSpPr>
-        <p:cNvPr id="1" name=""/>
-        <p:cNvGrpSpPr/>
-        <p:nvPr/>
-      </p:nvGrpSpPr>
-      <p:grpSpPr>
-        <a:xfrm>
-          <a:off x="0" y="0"/>
-          <a:ext cx="0" cy="0"/>
-          <a:chOff x="0" y="0"/>
-          <a:chExt cx="0" cy="0"/>
-        </a:xfrm>
-      </p:grpSpPr>
-      <p:sp>
-        <p:nvSpPr>
-          <p:cNvPr id="2" name="Titre 1">
-            <a:extLst>
-              <a:ext uri="{FF2B5EF4-FFF2-40B4-BE49-F238E27FC236}">
-                <a16:creationId xmlns:a16="http://schemas.microsoft.com/office/drawing/2014/main" id="{D18012FC-966E-92A5-6C97-15AE035A32F5}"/>
-              </a:ext>
-            </a:extLst>
-          </p:cNvPr>
-          <p:cNvSpPr>
-            <a:spLocks noGrp="1"/>
-          </p:cNvSpPr>
-          <p:nvPr>
-            <p:ph type="title"/>
-          </p:nvPr>
-        </p:nvSpPr>
-        <p:spPr/>
-        <p:txBody>
-          <a:bodyPr/>
-          <a:lstStyle/>
-          <a:p>
-            <a:r>
-              <a:rPr lang="fr-CA" dirty="0"/>
-              <a:t>Choisir un éditeur</a:t>
-            </a:r>
-          </a:p>
-        </p:txBody>
-      </p:sp>
-      <p:sp>
-        <p:nvSpPr>
-          <p:cNvPr id="3" name="Espace réservé du contenu 2">
-            <a:extLst>
-              <a:ext uri="{FF2B5EF4-FFF2-40B4-BE49-F238E27FC236}">
-                <a16:creationId xmlns:a16="http://schemas.microsoft.com/office/drawing/2014/main" id="{A2ACC0B8-1A2E-64C3-111C-61AC23B27408}"/>
-              </a:ext>
-            </a:extLst>
-          </p:cNvPr>
-          <p:cNvSpPr>
-            <a:spLocks noGrp="1"/>
-          </p:cNvSpPr>
-          <p:nvPr>
-            <p:ph idx="1"/>
-          </p:nvPr>
-        </p:nvSpPr>
-        <p:spPr/>
-        <p:txBody>
-          <a:bodyPr/>
-          <a:lstStyle/>
-          <a:p>
-            <a:r>
-              <a:rPr lang="fr-CA" dirty="0"/>
-              <a:t>Mon choix personnel: </a:t>
-            </a:r>
-            <a:r>
-              <a:rPr lang="fr-CA" dirty="0" err="1"/>
-              <a:t>pycharm</a:t>
-            </a:r>
-            <a:endParaRPr lang="fr-CA" dirty="0"/>
-          </a:p>
-          <a:p>
-            <a:r>
-              <a:rPr lang="fr-CA" dirty="0"/>
-              <a:t>Il en existe plusieurs autres.</a:t>
-            </a:r>
-          </a:p>
-          <a:p>
-            <a:endParaRPr lang="fr-CA" dirty="0"/>
-          </a:p>
-          <a:p>
-            <a:r>
-              <a:rPr lang="fr-CA" dirty="0"/>
-              <a:t>Démo </a:t>
-            </a:r>
-          </a:p>
-        </p:txBody>
-      </p:sp>
-    </p:spTree>
-    <p:extLst>
-      <p:ext uri="{BB962C8B-B14F-4D97-AF65-F5344CB8AC3E}">
-        <p14:creationId xmlns:p14="http://schemas.microsoft.com/office/powerpoint/2010/main" val="810017716"/>
-      </p:ext>
-    </p:extLst>
-  </p:cSld>
-  <p:clrMapOvr>
-    <a:masterClrMapping/>
-  </p:clrMapOvr>
-</p:sld>
-</file>
-
-<file path=ppt/slides/slide23.xml><?xml version="1.0" encoding="utf-8"?>
-<p:sld xmlns:a="http://schemas.openxmlformats.org/drawingml/2006/main" xmlns:r="http://schemas.openxmlformats.org/officeDocument/2006/relationships" xmlns:p="http://schemas.openxmlformats.org/presentationml/2006/main">
-  <p:cSld>
-    <p:spTree>
-      <p:nvGrpSpPr>
-        <p:cNvPr id="1" name=""/>
-        <p:cNvGrpSpPr/>
-        <p:nvPr/>
-      </p:nvGrpSpPr>
-      <p:grpSpPr>
-        <a:xfrm>
-          <a:off x="0" y="0"/>
-          <a:ext cx="0" cy="0"/>
-          <a:chOff x="0" y="0"/>
-          <a:chExt cx="0" cy="0"/>
-        </a:xfrm>
-      </p:grpSpPr>
-      <p:sp>
-        <p:nvSpPr>
-          <p:cNvPr id="2" name="Titre 1">
-            <a:extLst>
-              <a:ext uri="{FF2B5EF4-FFF2-40B4-BE49-F238E27FC236}">
-                <a16:creationId xmlns:a16="http://schemas.microsoft.com/office/drawing/2014/main" id="{4556EE9E-F042-D778-EB29-3EAB4A9FD049}"/>
-              </a:ext>
-            </a:extLst>
-          </p:cNvPr>
-          <p:cNvSpPr>
-            <a:spLocks noGrp="1"/>
-          </p:cNvSpPr>
-          <p:nvPr>
-            <p:ph type="title"/>
-          </p:nvPr>
-        </p:nvSpPr>
-        <p:spPr/>
-        <p:txBody>
-          <a:bodyPr/>
-          <a:lstStyle/>
-          <a:p>
-            <a:r>
-              <a:rPr lang="fr-CA" b="1" u="sng" dirty="0">
-                <a:effectLst>
-                  <a:outerShdw blurRad="38100" dist="38100" dir="2700000" algn="tl">
-                    <a:srgbClr val="000000">
-                      <a:alpha val="43137"/>
-                    </a:srgbClr>
-                  </a:outerShdw>
-                </a:effectLst>
-              </a:rPr>
-              <a:t>Mes consignes:</a:t>
-            </a:r>
-          </a:p>
-        </p:txBody>
-      </p:sp>
-      <p:sp>
-        <p:nvSpPr>
-          <p:cNvPr id="3" name="Espace réservé du contenu 2">
-            <a:extLst>
-              <a:ext uri="{FF2B5EF4-FFF2-40B4-BE49-F238E27FC236}">
-                <a16:creationId xmlns:a16="http://schemas.microsoft.com/office/drawing/2014/main" id="{CADDD934-EA6E-019C-4F39-FD4AEB2F3383}"/>
-              </a:ext>
-            </a:extLst>
-          </p:cNvPr>
-          <p:cNvSpPr>
-            <a:spLocks noGrp="1"/>
-          </p:cNvSpPr>
-          <p:nvPr>
-            <p:ph idx="1"/>
-          </p:nvPr>
-        </p:nvSpPr>
-        <p:spPr>
-          <a:xfrm>
-            <a:off x="466927" y="2061029"/>
-            <a:ext cx="11725073" cy="7518400"/>
-          </a:xfrm>
-        </p:spPr>
-        <p:txBody>
-          <a:bodyPr>
-            <a:normAutofit fontScale="92500" lnSpcReduction="10000"/>
-          </a:bodyPr>
-          <a:lstStyle/>
-          <a:p>
-            <a:r>
-              <a:rPr lang="fr-CA" sz="3200" dirty="0"/>
-              <a:t>Interdiction que tout soit d’un seul bloc!</a:t>
-            </a:r>
-          </a:p>
-          <a:p>
-            <a:r>
-              <a:rPr lang="fr-CA" sz="3200" dirty="0"/>
-              <a:t>Séparer le main() dans une méthode.</a:t>
-            </a:r>
-          </a:p>
-          <a:p>
-            <a:r>
-              <a:rPr lang="fr-CA" sz="3200" dirty="0"/>
-              <a:t>Le main() devrait contenir très peu de lignes. Ex:</a:t>
-            </a:r>
-          </a:p>
-          <a:p>
-            <a:pPr marL="0" indent="0">
-              <a:buNone/>
-            </a:pPr>
-            <a:r>
-              <a:rPr lang="fr-CA" sz="1700" dirty="0">
-                <a:latin typeface="Courier New" panose="02070309020205020404" pitchFamily="49" charset="0"/>
-                <a:cs typeface="Courier New" panose="02070309020205020404" pitchFamily="49" charset="0"/>
-              </a:rPr>
-              <a:t>           Fichier: debruiter_une_image.py</a:t>
-            </a:r>
-          </a:p>
-          <a:p>
-            <a:pPr marL="0" indent="0">
-              <a:buNone/>
-            </a:pPr>
-            <a:endParaRPr lang="fr-CA" sz="1600" dirty="0">
-              <a:latin typeface="Courier New" panose="02070309020205020404" pitchFamily="49" charset="0"/>
-              <a:cs typeface="Courier New" panose="02070309020205020404" pitchFamily="49" charset="0"/>
-            </a:endParaRPr>
-          </a:p>
-          <a:p>
-            <a:pPr marL="0" indent="0">
-              <a:buNone/>
-            </a:pPr>
-            <a:endParaRPr lang="fr-CA" sz="3200" dirty="0"/>
-          </a:p>
-          <a:p>
-            <a:pPr marL="0" indent="0">
-              <a:buNone/>
-            </a:pPr>
-            <a:endParaRPr lang="fr-CA" sz="3200" dirty="0"/>
-          </a:p>
-          <a:p>
-            <a:pPr marL="0" indent="0">
-              <a:buNone/>
-            </a:pPr>
-            <a:endParaRPr lang="fr-CA" sz="3200" dirty="0"/>
-          </a:p>
-          <a:p>
-            <a:r>
-              <a:rPr lang="fr-CA" sz="3200" dirty="0"/>
-              <a:t>Utiliser un Argument </a:t>
-            </a:r>
-            <a:r>
-              <a:rPr lang="fr-CA" sz="3200" dirty="0" err="1"/>
-              <a:t>Parser</a:t>
-            </a:r>
-            <a:r>
-              <a:rPr lang="fr-CA" sz="3200" dirty="0"/>
-              <a:t>. La méthode </a:t>
-            </a:r>
-            <a:r>
-              <a:rPr lang="fr-CA" sz="3200" dirty="0" err="1"/>
-              <a:t>parse_args</a:t>
-            </a:r>
-            <a:r>
-              <a:rPr lang="fr-CA" sz="3200" dirty="0"/>
-              <a:t> peut être dans le script principal.</a:t>
-            </a:r>
-          </a:p>
-          <a:p>
-            <a:r>
-              <a:rPr lang="fr-CA" sz="3200" dirty="0"/>
-              <a:t>Tout le reste est « encapsulé » dans des sous-fonctions, qui sont organisées dans des fichiers séparés, avec des noms représentatifs, et des </a:t>
-            </a:r>
-            <a:r>
-              <a:rPr lang="fr-CA" sz="3200" dirty="0" err="1"/>
-              <a:t>docstrings</a:t>
-            </a:r>
-            <a:r>
-              <a:rPr lang="fr-CA" sz="3200" dirty="0"/>
-              <a:t> (obligatoires) et type </a:t>
-            </a:r>
-            <a:r>
-              <a:rPr lang="fr-CA" sz="3200" dirty="0" err="1"/>
-              <a:t>hints</a:t>
-            </a:r>
-            <a:r>
-              <a:rPr lang="fr-CA" sz="3200" dirty="0"/>
-              <a:t> (facultatif).</a:t>
-            </a:r>
-          </a:p>
-          <a:p>
-            <a:pPr marL="0" indent="0">
-              <a:buNone/>
-            </a:pPr>
-            <a:endParaRPr lang="fr-CA" sz="3200" dirty="0"/>
-          </a:p>
-          <a:p>
-            <a:pPr marL="0" indent="0">
-              <a:buNone/>
-            </a:pPr>
-            <a:r>
-              <a:rPr lang="fr-CA" sz="3200" dirty="0"/>
-              <a:t>démo</a:t>
-            </a:r>
-          </a:p>
-        </p:txBody>
-      </p:sp>
-      <p:sp>
-        <p:nvSpPr>
-          <p:cNvPr id="4" name="ZoneTexte 3">
-            <a:extLst>
-              <a:ext uri="{FF2B5EF4-FFF2-40B4-BE49-F238E27FC236}">
-                <a16:creationId xmlns:a16="http://schemas.microsoft.com/office/drawing/2014/main" id="{4E57C656-3166-36EC-39E1-15CABE08AA9F}"/>
-              </a:ext>
-            </a:extLst>
-          </p:cNvPr>
-          <p:cNvSpPr txBox="1"/>
-          <p:nvPr/>
-        </p:nvSpPr>
-        <p:spPr>
-          <a:xfrm>
-            <a:off x="2153138" y="4140323"/>
-            <a:ext cx="8698523" cy="1938992"/>
-          </a:xfrm>
-          <a:prstGeom prst="rect">
-            <a:avLst/>
-          </a:prstGeom>
-          <a:solidFill>
-            <a:schemeClr val="tx1"/>
-          </a:solidFill>
-        </p:spPr>
-        <p:txBody>
-          <a:bodyPr wrap="square" rtlCol="0">
-            <a:spAutoFit/>
-          </a:bodyPr>
-          <a:lstStyle/>
-          <a:p>
-            <a:pPr algn="l"/>
-            <a:r>
-              <a:rPr lang="fr-CA" sz="2400" dirty="0" err="1">
-                <a:latin typeface="Courier New" panose="02070309020205020404" pitchFamily="49" charset="0"/>
-                <a:cs typeface="Courier New" panose="02070309020205020404" pitchFamily="49" charset="0"/>
-              </a:rPr>
-              <a:t>def</a:t>
-            </a:r>
-            <a:r>
-              <a:rPr lang="fr-CA" sz="2400" dirty="0">
-                <a:latin typeface="Courier New" panose="02070309020205020404" pitchFamily="49" charset="0"/>
-                <a:cs typeface="Courier New" panose="02070309020205020404" pitchFamily="49" charset="0"/>
-              </a:rPr>
-              <a:t> main():</a:t>
-            </a:r>
-          </a:p>
-          <a:p>
-            <a:pPr algn="l"/>
-            <a:r>
-              <a:rPr lang="fr-CA" sz="2400" dirty="0">
-                <a:latin typeface="Courier New" panose="02070309020205020404" pitchFamily="49" charset="0"/>
-                <a:cs typeface="Courier New" panose="02070309020205020404" pitchFamily="49" charset="0"/>
-              </a:rPr>
-              <a:t>    args = </a:t>
-            </a:r>
-            <a:r>
-              <a:rPr lang="fr-CA" sz="2400" dirty="0" err="1">
-                <a:latin typeface="Courier New" panose="02070309020205020404" pitchFamily="49" charset="0"/>
-                <a:cs typeface="Courier New" panose="02070309020205020404" pitchFamily="49" charset="0"/>
-              </a:rPr>
-              <a:t>parse_args</a:t>
-            </a:r>
-            <a:r>
-              <a:rPr lang="fr-CA" sz="2400" dirty="0">
-                <a:latin typeface="Courier New" panose="02070309020205020404" pitchFamily="49" charset="0"/>
-                <a:cs typeface="Courier New" panose="02070309020205020404" pitchFamily="49" charset="0"/>
-              </a:rPr>
-              <a:t>()</a:t>
-            </a:r>
-          </a:p>
-          <a:p>
-            <a:pPr algn="l"/>
-            <a:r>
-              <a:rPr lang="fr-CA" sz="2400" dirty="0">
-                <a:latin typeface="Courier New" panose="02070309020205020404" pitchFamily="49" charset="0"/>
-                <a:cs typeface="Courier New" panose="02070309020205020404" pitchFamily="49" charset="0"/>
-              </a:rPr>
-              <a:t>    </a:t>
-            </a:r>
-            <a:r>
-              <a:rPr lang="fr-CA" sz="2400" dirty="0" err="1">
-                <a:latin typeface="Courier New" panose="02070309020205020404" pitchFamily="49" charset="0"/>
-                <a:cs typeface="Courier New" panose="02070309020205020404" pitchFamily="49" charset="0"/>
-              </a:rPr>
-              <a:t>img</a:t>
-            </a:r>
-            <a:r>
-              <a:rPr lang="fr-CA" sz="2400" dirty="0">
-                <a:latin typeface="Courier New" panose="02070309020205020404" pitchFamily="49" charset="0"/>
-                <a:cs typeface="Courier New" panose="02070309020205020404" pitchFamily="49" charset="0"/>
-              </a:rPr>
-              <a:t> = </a:t>
-            </a:r>
-            <a:r>
-              <a:rPr lang="fr-CA" sz="2400" dirty="0" err="1">
-                <a:latin typeface="Courier New" panose="02070309020205020404" pitchFamily="49" charset="0"/>
-                <a:cs typeface="Courier New" panose="02070309020205020404" pitchFamily="49" charset="0"/>
-              </a:rPr>
-              <a:t>load_image</a:t>
-            </a:r>
-            <a:r>
-              <a:rPr lang="fr-CA" sz="2400" dirty="0">
-                <a:latin typeface="Courier New" panose="02070309020205020404" pitchFamily="49" charset="0"/>
-                <a:cs typeface="Courier New" panose="02070309020205020404" pitchFamily="49" charset="0"/>
-              </a:rPr>
-              <a:t>(</a:t>
-            </a:r>
-            <a:r>
-              <a:rPr lang="fr-CA" sz="2400" dirty="0" err="1">
-                <a:latin typeface="Courier New" panose="02070309020205020404" pitchFamily="49" charset="0"/>
-                <a:cs typeface="Courier New" panose="02070309020205020404" pitchFamily="49" charset="0"/>
-              </a:rPr>
-              <a:t>args.my_path</a:t>
-            </a:r>
-            <a:r>
-              <a:rPr lang="fr-CA" sz="2400" dirty="0">
-                <a:latin typeface="Courier New" panose="02070309020205020404" pitchFamily="49" charset="0"/>
-                <a:cs typeface="Courier New" panose="02070309020205020404" pitchFamily="49" charset="0"/>
-              </a:rPr>
-              <a:t>)</a:t>
-            </a:r>
-          </a:p>
-          <a:p>
-            <a:pPr algn="l"/>
-            <a:r>
-              <a:rPr lang="fr-CA" sz="2400" dirty="0">
-                <a:latin typeface="Courier New" panose="02070309020205020404" pitchFamily="49" charset="0"/>
-                <a:cs typeface="Courier New" panose="02070309020205020404" pitchFamily="49" charset="0"/>
-              </a:rPr>
-              <a:t>    </a:t>
-            </a:r>
-            <a:r>
-              <a:rPr lang="fr-CA" sz="2400" dirty="0" err="1">
-                <a:latin typeface="Courier New" panose="02070309020205020404" pitchFamily="49" charset="0"/>
-                <a:cs typeface="Courier New" panose="02070309020205020404" pitchFamily="49" charset="0"/>
-              </a:rPr>
-              <a:t>img_clean</a:t>
-            </a:r>
-            <a:r>
-              <a:rPr lang="fr-CA" sz="2400" dirty="0">
-                <a:latin typeface="Courier New" panose="02070309020205020404" pitchFamily="49" charset="0"/>
-                <a:cs typeface="Courier New" panose="02070309020205020404" pitchFamily="49" charset="0"/>
-              </a:rPr>
-              <a:t> = </a:t>
-            </a:r>
-            <a:r>
-              <a:rPr lang="fr-CA" sz="2400" dirty="0" err="1">
-                <a:latin typeface="Courier New" panose="02070309020205020404" pitchFamily="49" charset="0"/>
-                <a:cs typeface="Courier New" panose="02070309020205020404" pitchFamily="49" charset="0"/>
-              </a:rPr>
-              <a:t>denoise_image</a:t>
-            </a:r>
-            <a:r>
-              <a:rPr lang="fr-CA" sz="2400" dirty="0">
-                <a:latin typeface="Courier New" panose="02070309020205020404" pitchFamily="49" charset="0"/>
-                <a:cs typeface="Courier New" panose="02070309020205020404" pitchFamily="49" charset="0"/>
-              </a:rPr>
-              <a:t>(</a:t>
-            </a:r>
-            <a:r>
-              <a:rPr lang="fr-CA" sz="2400" dirty="0" err="1">
-                <a:latin typeface="Courier New" panose="02070309020205020404" pitchFamily="49" charset="0"/>
-                <a:cs typeface="Courier New" panose="02070309020205020404" pitchFamily="49" charset="0"/>
-              </a:rPr>
-              <a:t>img</a:t>
-            </a:r>
-            <a:r>
-              <a:rPr lang="fr-CA" sz="2400" dirty="0">
-                <a:latin typeface="Courier New" panose="02070309020205020404" pitchFamily="49" charset="0"/>
-                <a:cs typeface="Courier New" panose="02070309020205020404" pitchFamily="49" charset="0"/>
-              </a:rPr>
-              <a:t>)</a:t>
-            </a:r>
-          </a:p>
-          <a:p>
-            <a:pPr algn="l"/>
-            <a:r>
-              <a:rPr lang="fr-CA" sz="2400" dirty="0">
-                <a:latin typeface="Courier New" panose="02070309020205020404" pitchFamily="49" charset="0"/>
-                <a:cs typeface="Courier New" panose="02070309020205020404" pitchFamily="49" charset="0"/>
-              </a:rPr>
-              <a:t>    </a:t>
-            </a:r>
-            <a:r>
-              <a:rPr lang="fr-CA" sz="2400" dirty="0" err="1">
-                <a:latin typeface="Courier New" panose="02070309020205020404" pitchFamily="49" charset="0"/>
-                <a:cs typeface="Courier New" panose="02070309020205020404" pitchFamily="49" charset="0"/>
-              </a:rPr>
-              <a:t>save_image</a:t>
-            </a:r>
-            <a:r>
-              <a:rPr lang="fr-CA" sz="2400" dirty="0">
-                <a:latin typeface="Courier New" panose="02070309020205020404" pitchFamily="49" charset="0"/>
-                <a:cs typeface="Courier New" panose="02070309020205020404" pitchFamily="49" charset="0"/>
-              </a:rPr>
-              <a:t>(</a:t>
-            </a:r>
-            <a:r>
-              <a:rPr lang="fr-CA" sz="2400" dirty="0" err="1">
-                <a:latin typeface="Courier New" panose="02070309020205020404" pitchFamily="49" charset="0"/>
-                <a:cs typeface="Courier New" panose="02070309020205020404" pitchFamily="49" charset="0"/>
-              </a:rPr>
-              <a:t>img_clean</a:t>
-            </a:r>
-            <a:r>
-              <a:rPr lang="fr-CA" sz="2400" dirty="0">
-                <a:latin typeface="Courier New" panose="02070309020205020404" pitchFamily="49" charset="0"/>
-                <a:cs typeface="Courier New" panose="02070309020205020404" pitchFamily="49" charset="0"/>
-              </a:rPr>
-              <a:t>, </a:t>
-            </a:r>
-            <a:r>
-              <a:rPr lang="fr-CA" sz="2400" dirty="0" err="1">
-                <a:latin typeface="Courier New" panose="02070309020205020404" pitchFamily="49" charset="0"/>
-                <a:cs typeface="Courier New" panose="02070309020205020404" pitchFamily="49" charset="0"/>
-              </a:rPr>
-              <a:t>args.my_saving_path</a:t>
-            </a:r>
-            <a:r>
-              <a:rPr lang="fr-CA" sz="2400" dirty="0">
-                <a:latin typeface="Courier New" panose="02070309020205020404" pitchFamily="49" charset="0"/>
-                <a:cs typeface="Courier New" panose="02070309020205020404" pitchFamily="49" charset="0"/>
-              </a:rPr>
-              <a:t>)</a:t>
-            </a:r>
-          </a:p>
-        </p:txBody>
-      </p:sp>
-    </p:spTree>
-    <p:extLst>
-      <p:ext uri="{BB962C8B-B14F-4D97-AF65-F5344CB8AC3E}">
-        <p14:creationId xmlns:p14="http://schemas.microsoft.com/office/powerpoint/2010/main" val="3788120793"/>
       </p:ext>
     </p:extLst>
   </p:cSld>
